--- a/Project presentation slides.p3project.pptx
+++ b/Project presentation slides.p3project.pptx
@@ -17,13 +17,14 @@
     <p:sldId id="275" r:id="rId11"/>
     <p:sldId id="276" r:id="rId12"/>
     <p:sldId id="277" r:id="rId13"/>
-    <p:sldId id="278" r:id="rId14"/>
-    <p:sldId id="283" r:id="rId15"/>
-    <p:sldId id="282" r:id="rId16"/>
-    <p:sldId id="281" r:id="rId17"/>
-    <p:sldId id="284" r:id="rId18"/>
-    <p:sldId id="265" r:id="rId19"/>
-    <p:sldId id="266" r:id="rId20"/>
+    <p:sldId id="287" r:id="rId14"/>
+    <p:sldId id="278" r:id="rId15"/>
+    <p:sldId id="283" r:id="rId16"/>
+    <p:sldId id="282" r:id="rId17"/>
+    <p:sldId id="281" r:id="rId18"/>
+    <p:sldId id="284" r:id="rId19"/>
+    <p:sldId id="265" r:id="rId20"/>
+    <p:sldId id="266" r:id="rId21"/>
   </p:sldIdLst>
   <p:sldSz cx="12192000" cy="6858000"/>
   <p:notesSz cx="6858000" cy="9144000"/>
@@ -143,6 +144,7 @@
             <p14:sldId id="275"/>
             <p14:sldId id="276"/>
             <p14:sldId id="277"/>
+            <p14:sldId id="287"/>
             <p14:sldId id="278"/>
             <p14:sldId id="283"/>
             <p14:sldId id="282"/>
@@ -6242,8 +6244,8 @@
         </p:blipFill>
         <p:spPr>
           <a:xfrm>
-            <a:off x="-618187" y="1"/>
-            <a:ext cx="13166838" cy="6858000"/>
+            <a:off x="2060620" y="592428"/>
+            <a:ext cx="7199290" cy="5653826"/>
           </a:xfrm>
           <a:prstGeom prst="rect">
             <a:avLst/>
@@ -6253,7 +6255,7 @@
     </p:spTree>
     <p:extLst>
       <p:ext uri="{BB962C8B-B14F-4D97-AF65-F5344CB8AC3E}">
-        <p14:creationId xmlns:p14="http://schemas.microsoft.com/office/powerpoint/2010/main" val="2508194615"/>
+        <p14:creationId xmlns:p14="http://schemas.microsoft.com/office/powerpoint/2010/main" val="20302675"/>
       </p:ext>
     </p:extLst>
   </p:cSld>
@@ -6280,77 +6282,40 @@
           <a:chExt cx="0" cy="0"/>
         </a:xfrm>
       </p:grpSpPr>
-      <p:sp>
-        <p:nvSpPr>
-          <p:cNvPr id="2" name="Title 1"/>
-          <p:cNvSpPr>
-            <a:spLocks noGrp="1"/>
-          </p:cNvSpPr>
-          <p:nvPr>
-            <p:ph type="title"/>
-          </p:nvPr>
-        </p:nvSpPr>
+      <p:pic>
+        <p:nvPicPr>
+          <p:cNvPr id="2" name="Picture 1"/>
+          <p:cNvPicPr>
+            <a:picLocks noChangeAspect="1"/>
+          </p:cNvPicPr>
+          <p:nvPr/>
+        </p:nvPicPr>
+        <p:blipFill>
+          <a:blip r:embed="rId2">
+            <a:extLst>
+              <a:ext uri="{28A0092B-C50C-407E-A947-70E740481C1C}">
+                <a14:useLocalDpi xmlns:a14="http://schemas.microsoft.com/office/drawing/2010/main" val="0"/>
+              </a:ext>
+            </a:extLst>
+          </a:blip>
+          <a:stretch>
+            <a:fillRect/>
+          </a:stretch>
+        </p:blipFill>
         <p:spPr>
           <a:xfrm>
-            <a:off x="2015069" y="1752605"/>
-            <a:ext cx="8158688" cy="2736267"/>
-          </a:xfrm>
+            <a:off x="-618187" y="1"/>
+            <a:ext cx="13166838" cy="6858000"/>
+          </a:xfrm>
+          <a:prstGeom prst="rect">
+            <a:avLst/>
+          </a:prstGeom>
         </p:spPr>
-        <p:txBody>
-          <a:bodyPr>
-            <a:normAutofit/>
-          </a:bodyPr>
-          <a:lstStyle/>
-          <a:p>
-            <a:r>
-              <a:rPr lang="en-US" b="1" dirty="0"/>
-              <a:t>Recommendations on the Models </a:t>
-            </a:r>
-            <a:r>
-              <a:rPr lang="en-US" b="1" dirty="0" smtClean="0"/>
-              <a:t>Performance</a:t>
-            </a:r>
-            <a:r>
-              <a:rPr lang="en-US" b="1" dirty="0"/>
-              <a:t/>
-            </a:r>
-            <a:br>
-              <a:rPr lang="en-US" b="1" dirty="0"/>
-            </a:br>
-            <a:endParaRPr lang="en-US" dirty="0"/>
-          </a:p>
-        </p:txBody>
-      </p:sp>
-      <p:sp>
-        <p:nvSpPr>
-          <p:cNvPr id="3" name="Text Placeholder 2"/>
-          <p:cNvSpPr>
-            <a:spLocks noGrp="1"/>
-          </p:cNvSpPr>
-          <p:nvPr>
-            <p:ph type="body" idx="1"/>
-          </p:nvPr>
-        </p:nvSpPr>
-        <p:spPr>
-          <a:xfrm flipV="1">
-            <a:off x="38100" y="4170219"/>
-            <a:ext cx="423333" cy="49906"/>
-          </a:xfrm>
-        </p:spPr>
-        <p:txBody>
-          <a:bodyPr>
-            <a:normAutofit fontScale="25000" lnSpcReduction="20000"/>
-          </a:bodyPr>
-          <a:lstStyle/>
-          <a:p>
-            <a:endParaRPr lang="en-US" dirty="0"/>
-          </a:p>
-        </p:txBody>
-      </p:sp>
+      </p:pic>
     </p:spTree>
     <p:extLst>
       <p:ext uri="{BB962C8B-B14F-4D97-AF65-F5344CB8AC3E}">
-        <p14:creationId xmlns:p14="http://schemas.microsoft.com/office/powerpoint/2010/main" val="3352423032"/>
+        <p14:creationId xmlns:p14="http://schemas.microsoft.com/office/powerpoint/2010/main" val="2508194615"/>
       </p:ext>
     </p:extLst>
   </p:cSld>
@@ -6379,83 +6344,75 @@
       </p:grpSpPr>
       <p:sp>
         <p:nvSpPr>
-          <p:cNvPr id="2" name="Rectangle 1"/>
-          <p:cNvSpPr/>
-          <p:nvPr/>
+          <p:cNvPr id="2" name="Title 1"/>
+          <p:cNvSpPr>
+            <a:spLocks noGrp="1"/>
+          </p:cNvSpPr>
+          <p:nvPr>
+            <p:ph type="title"/>
+          </p:nvPr>
         </p:nvSpPr>
         <p:spPr>
           <a:xfrm>
-            <a:off x="656824" y="592429"/>
-            <a:ext cx="10634632" cy="5539978"/>
-          </a:xfrm>
-          <a:prstGeom prst="rect">
-            <a:avLst/>
-          </a:prstGeom>
+            <a:off x="2015069" y="1752605"/>
+            <a:ext cx="8158688" cy="2736267"/>
+          </a:xfrm>
         </p:spPr>
         <p:txBody>
-          <a:bodyPr wrap="square">
-            <a:spAutoFit/>
+          <a:bodyPr>
+            <a:normAutofit/>
           </a:bodyPr>
           <a:lstStyle/>
           <a:p>
             <a:r>
               <a:rPr lang="en-US" b="1" dirty="0"/>
-              <a:t>1. Address Class Imbalance</a:t>
-            </a:r>
-            <a:r>
-              <a:rPr lang="en-US" dirty="0"/>
-              <a:t>:</a:t>
-            </a:r>
-          </a:p>
-          <a:p>
-            <a:r>
-              <a:rPr lang="en-US" sz="2000" dirty="0"/>
-              <a:t>Observation: The Decision Tree model showed high accuracy (86.1%) but struggled with minority classes, such as "Forced Labor," where it achieved low precision (0.29) and recall (1.00). This suggests the model may be overfitting to the majority classes.</a:t>
-            </a:r>
-          </a:p>
-          <a:p>
-            <a:endParaRPr lang="en-US" sz="2000" dirty="0"/>
-          </a:p>
-          <a:p>
-            <a:r>
-              <a:rPr lang="en-US" sz="2000" dirty="0"/>
-              <a:t>Recommendation: Implement techniques like SMOTE (Synthetic Minority Over-sampling Technique) or class-weight adjustments to better balance the dataset. This can help models better identify and predict minority classes, improving overall model performance, especially for underrepresented categories</a:t>
-            </a:r>
-            <a:r>
-              <a:rPr lang="en-US" sz="2000" dirty="0" smtClean="0"/>
-              <a:t>.</a:t>
-            </a:r>
-          </a:p>
-          <a:p>
-            <a:endParaRPr lang="en-US" dirty="0"/>
-          </a:p>
-          <a:p>
+              <a:t>Recommendations on the Models </a:t>
+            </a:r>
+            <a:r>
+              <a:rPr lang="en-US" b="1" dirty="0" smtClean="0"/>
+              <a:t>Performance</a:t>
+            </a:r>
             <a:r>
               <a:rPr lang="en-US" b="1" dirty="0"/>
-              <a:t>2.Model Selection Based on Context:</a:t>
-            </a:r>
-          </a:p>
-          <a:p>
-            <a:r>
-              <a:rPr lang="en-US" sz="2000" dirty="0"/>
-              <a:t>Observation: The Decision Tree model demonstrated strong overall accuracy and excelled in certain classes, like "Other," where it achieved perfect precision and recall. However, it showed weaknesses in handling minority classes.</a:t>
-            </a:r>
-          </a:p>
-          <a:p>
-            <a:endParaRPr lang="en-US" sz="2000" dirty="0"/>
-          </a:p>
-          <a:p>
-            <a:r>
-              <a:rPr lang="en-US" sz="2000" dirty="0"/>
-              <a:t>Recommendation: For tasks requiring high accuracy and the ability to capture complex patterns, ensemble methods such as Random Forests or Gradient Boosting are recommended. These methods could improve performance by reducing the variance seen in single decision trees. For tasks where interpretability is critical, a simpler model like Logistic Regression might be preferable.</a:t>
-            </a:r>
+              <a:t/>
+            </a:r>
+            <a:br>
+              <a:rPr lang="en-US" b="1" dirty="0"/>
+            </a:br>
+            <a:endParaRPr lang="en-US" dirty="0"/>
+          </a:p>
+        </p:txBody>
+      </p:sp>
+      <p:sp>
+        <p:nvSpPr>
+          <p:cNvPr id="3" name="Text Placeholder 2"/>
+          <p:cNvSpPr>
+            <a:spLocks noGrp="1"/>
+          </p:cNvSpPr>
+          <p:nvPr>
+            <p:ph type="body" idx="1"/>
+          </p:nvPr>
+        </p:nvSpPr>
+        <p:spPr>
+          <a:xfrm flipV="1">
+            <a:off x="38100" y="4170219"/>
+            <a:ext cx="423333" cy="49906"/>
+          </a:xfrm>
+        </p:spPr>
+        <p:txBody>
+          <a:bodyPr>
+            <a:normAutofit fontScale="25000" lnSpcReduction="20000"/>
+          </a:bodyPr>
+          <a:lstStyle/>
+          <a:p>
+            <a:endParaRPr lang="en-US" dirty="0"/>
           </a:p>
         </p:txBody>
       </p:sp>
     </p:spTree>
     <p:extLst>
       <p:ext uri="{BB962C8B-B14F-4D97-AF65-F5344CB8AC3E}">
-        <p14:creationId xmlns:p14="http://schemas.microsoft.com/office/powerpoint/2010/main" val="3973336141"/>
+        <p14:creationId xmlns:p14="http://schemas.microsoft.com/office/powerpoint/2010/main" val="3352423032"/>
       </p:ext>
     </p:extLst>
   </p:cSld>
@@ -6490,8 +6447,8 @@
         </p:nvSpPr>
         <p:spPr>
           <a:xfrm>
-            <a:off x="900545" y="900545"/>
-            <a:ext cx="10515600" cy="5755422"/>
+            <a:off x="656824" y="592429"/>
+            <a:ext cx="10634632" cy="5539978"/>
           </a:xfrm>
           <a:prstGeom prst="rect">
             <a:avLst/>
@@ -6505,13 +6462,17 @@
           <a:p>
             <a:r>
               <a:rPr lang="en-US" b="1" dirty="0"/>
-              <a:t> 3.Hyperparameter Tuning:</a:t>
+              <a:t>1. Address Class Imbalance</a:t>
+            </a:r>
+            <a:r>
+              <a:rPr lang="en-US" dirty="0"/>
+              <a:t>:</a:t>
             </a:r>
           </a:p>
           <a:p>
             <a:r>
               <a:rPr lang="en-US" sz="2000" dirty="0"/>
-              <a:t>Observation: The performance differences between the tuned Decision Tree and Logistic Regression models were marginal, indicating that both models might already be close to their optimal performance for this dataset.</a:t>
+              <a:t>Observation: The Decision Tree model showed high accuracy (86.1%) but struggled with minority classes, such as "Forced Labor," where it achieved low precision (0.29) and recall (1.00). This suggests the model may be overfitting to the majority classes.</a:t>
             </a:r>
           </a:p>
           <a:p>
@@ -6520,34 +6481,7 @@
           <a:p>
             <a:r>
               <a:rPr lang="en-US" sz="2000" dirty="0"/>
-              <a:t>Recommendation: While further tuning might yield only slight improvements, it is still worthwhile to explore hyperparameter adjustments, particularly for the Decision Tree model, to prevent overfitting and improve its handling of minority classes.</a:t>
-            </a:r>
-            <a:endParaRPr lang="en-US" sz="2000" dirty="0" smtClean="0"/>
-          </a:p>
-          <a:p>
-            <a:endParaRPr lang="en-US" b="1" dirty="0"/>
-          </a:p>
-          <a:p>
-            <a:r>
-              <a:rPr lang="en-US" b="1" dirty="0" smtClean="0"/>
-              <a:t>4.Consideration </a:t>
-            </a:r>
-            <a:r>
-              <a:rPr lang="en-US" b="1" dirty="0"/>
-              <a:t>for Ensemble Methods</a:t>
-            </a:r>
-            <a:r>
-              <a:rPr lang="en-US" b="1" dirty="0" smtClean="0"/>
-              <a:t>:</a:t>
-            </a:r>
-          </a:p>
-          <a:p>
-            <a:endParaRPr lang="en-US" dirty="0"/>
-          </a:p>
-          <a:p>
-            <a:r>
-              <a:rPr lang="en-US" sz="2000" dirty="0"/>
-              <a:t>Observation: The Decision Tree model’s high accuracy suggests that tree-based methods are effective for this dataset, but its performance on minority classes was less satisfactory</a:t>
+              <a:t>Recommendation: Implement techniques like SMOTE (Synthetic Minority Over-sampling Technique) or class-weight adjustments to better balance the dataset. This can help models better identify and predict minority classes, improving overall model performance, especially for underrepresented categories</a:t>
             </a:r>
             <a:r>
               <a:rPr lang="en-US" sz="2000" dirty="0" smtClean="0"/>
@@ -6555,30 +6489,35 @@
             </a:r>
           </a:p>
           <a:p>
+            <a:endParaRPr lang="en-US" dirty="0"/>
+          </a:p>
+          <a:p>
+            <a:r>
+              <a:rPr lang="en-US" b="1" dirty="0"/>
+              <a:t>2.Model Selection Based on Context:</a:t>
+            </a:r>
+          </a:p>
+          <a:p>
+            <a:r>
+              <a:rPr lang="en-US" sz="2000" dirty="0"/>
+              <a:t>Observation: The Decision Tree model demonstrated strong overall accuracy and excelled in certain classes, like "Other," where it achieved perfect precision and recall. However, it showed weaknesses in handling minority classes.</a:t>
+            </a:r>
+          </a:p>
+          <a:p>
             <a:endParaRPr lang="en-US" sz="2000" dirty="0"/>
           </a:p>
           <a:p>
             <a:r>
               <a:rPr lang="en-US" sz="2000" dirty="0"/>
-              <a:t>Recommendation: Experiment with ensemble methods like Random Forests or Gradient Boosting. These approaches can combine multiple decision trees to reduce overfitting and enhance the model’s ability to generalize, particularly in handling imbalanced datasets.</a:t>
-            </a:r>
-          </a:p>
-          <a:p>
-            <a:endParaRPr lang="en-US" dirty="0"/>
-          </a:p>
-          <a:p>
-            <a:r>
-              <a:rPr lang="en-US" dirty="0" smtClean="0"/>
-              <a:t>.</a:t>
-            </a:r>
-            <a:endParaRPr lang="en-US" dirty="0"/>
+              <a:t>Recommendation: For tasks requiring high accuracy and the ability to capture complex patterns, ensemble methods such as Random Forests or Gradient Boosting are recommended. These methods could improve performance by reducing the variance seen in single decision trees. For tasks where interpretability is critical, a simpler model like Logistic Regression might be preferable.</a:t>
+            </a:r>
           </a:p>
         </p:txBody>
       </p:sp>
     </p:spTree>
     <p:extLst>
       <p:ext uri="{BB962C8B-B14F-4D97-AF65-F5344CB8AC3E}">
-        <p14:creationId xmlns:p14="http://schemas.microsoft.com/office/powerpoint/2010/main" val="517786876"/>
+        <p14:creationId xmlns:p14="http://schemas.microsoft.com/office/powerpoint/2010/main" val="3973336141"/>
       </p:ext>
     </p:extLst>
   </p:cSld>
@@ -6613,8 +6552,8 @@
         </p:nvSpPr>
         <p:spPr>
           <a:xfrm>
-            <a:off x="1409455" y="1788403"/>
-            <a:ext cx="9753600" cy="3139321"/>
+            <a:off x="900545" y="900545"/>
+            <a:ext cx="10515600" cy="5755422"/>
           </a:xfrm>
           <a:prstGeom prst="rect">
             <a:avLst/>
@@ -6627,17 +6566,14 @@
           <a:lstStyle/>
           <a:p>
             <a:r>
-              <a:rPr lang="en-US" sz="2000" b="1" dirty="0"/>
-              <a:t>5.Improvement in Data Representation:</a:t>
-            </a:r>
-          </a:p>
-          <a:p>
-            <a:endParaRPr lang="en-US" dirty="0"/>
+              <a:rPr lang="en-US" b="1" dirty="0"/>
+              <a:t> 3.Hyperparameter Tuning:</a:t>
+            </a:r>
           </a:p>
           <a:p>
             <a:r>
               <a:rPr lang="en-US" sz="2000" dirty="0"/>
-              <a:t>Observation: The performance of both models highlights the importance of data representation, especially in how features like "Lack of Basic Needs" and "Criminal Justice Mechanisms" are utilized.</a:t>
+              <a:t>Observation: The performance differences between the tuned Decision Tree and Logistic Regression models were marginal, indicating that both models might already be close to their optimal performance for this dataset.</a:t>
             </a:r>
           </a:p>
           <a:p>
@@ -6646,15 +6582,65 @@
           <a:p>
             <a:r>
               <a:rPr lang="en-US" sz="2000" dirty="0"/>
-              <a:t>Recommendation: Consider feature engineering to create new variables or improve existing ones. This might involve creating interaction terms, normalizing variables, or using domain-specific knowledge to refine the input data. Improved feature representation can significantly enhance model accuracy and reliability.</a:t>
-            </a:r>
+              <a:t>Recommendation: While further tuning might yield only slight improvements, it is still worthwhile to explore hyperparameter adjustments, particularly for the Decision Tree model, to prevent overfitting and improve its handling of minority classes.</a:t>
+            </a:r>
+            <a:endParaRPr lang="en-US" sz="2000" dirty="0" smtClean="0"/>
+          </a:p>
+          <a:p>
+            <a:endParaRPr lang="en-US" b="1" dirty="0"/>
+          </a:p>
+          <a:p>
+            <a:r>
+              <a:rPr lang="en-US" b="1" dirty="0" smtClean="0"/>
+              <a:t>4.Consideration </a:t>
+            </a:r>
+            <a:r>
+              <a:rPr lang="en-US" b="1" dirty="0"/>
+              <a:t>for Ensemble Methods</a:t>
+            </a:r>
+            <a:r>
+              <a:rPr lang="en-US" b="1" dirty="0" smtClean="0"/>
+              <a:t>:</a:t>
+            </a:r>
+          </a:p>
+          <a:p>
+            <a:endParaRPr lang="en-US" dirty="0"/>
+          </a:p>
+          <a:p>
+            <a:r>
+              <a:rPr lang="en-US" sz="2000" dirty="0"/>
+              <a:t>Observation: The Decision Tree model’s high accuracy suggests that tree-based methods are effective for this dataset, but its performance on minority classes was less satisfactory</a:t>
+            </a:r>
+            <a:r>
+              <a:rPr lang="en-US" sz="2000" dirty="0" smtClean="0"/>
+              <a:t>.</a:t>
+            </a:r>
+          </a:p>
+          <a:p>
+            <a:endParaRPr lang="en-US" sz="2000" dirty="0"/>
+          </a:p>
+          <a:p>
+            <a:r>
+              <a:rPr lang="en-US" sz="2000" dirty="0"/>
+              <a:t>Recommendation: Experiment with ensemble methods like Random Forests or Gradient Boosting. These approaches can combine multiple decision trees to reduce overfitting and enhance the model’s ability to generalize, particularly in handling imbalanced datasets.</a:t>
+            </a:r>
+          </a:p>
+          <a:p>
+            <a:endParaRPr lang="en-US" dirty="0"/>
+          </a:p>
+          <a:p>
+            <a:r>
+              <a:rPr lang="en-US" dirty="0" smtClean="0"/>
+              <a:t>.</a:t>
+            </a:r>
+            <a:endParaRPr lang="en-US" dirty="0"/>
           </a:p>
         </p:txBody>
       </p:sp>
     </p:spTree>
     <p:extLst>
       <p:ext uri="{BB962C8B-B14F-4D97-AF65-F5344CB8AC3E}">
-        <p14:creationId xmlns:p14="http://schemas.microsoft.com/office/powerpoint/2010/main" val="3028872603"/>
+        <p14:creationId xmlns:p14="http://schemas.microsoft.com/office/powerpoint/2010/main" val="517786876"/>
       </p:ext>
     </p:extLst>
   </p:cSld>
@@ -6683,96 +6669,54 @@
       </p:grpSpPr>
       <p:sp>
         <p:nvSpPr>
-          <p:cNvPr id="2" name="Title 1"/>
-          <p:cNvSpPr>
-            <a:spLocks noGrp="1"/>
-          </p:cNvSpPr>
-          <p:nvPr>
-            <p:ph type="title"/>
-          </p:nvPr>
+          <p:cNvPr id="2" name="Rectangle 1"/>
+          <p:cNvSpPr/>
+          <p:nvPr/>
         </p:nvSpPr>
         <p:spPr>
           <a:xfrm>
-            <a:off x="677334" y="609600"/>
-            <a:ext cx="8596668" cy="639651"/>
-          </a:xfrm>
+            <a:off x="1409455" y="1788403"/>
+            <a:ext cx="9753600" cy="3139321"/>
+          </a:xfrm>
+          <a:prstGeom prst="rect">
+            <a:avLst/>
+          </a:prstGeom>
         </p:spPr>
         <p:txBody>
-          <a:bodyPr>
-            <a:normAutofit fontScale="90000"/>
+          <a:bodyPr wrap="square">
+            <a:spAutoFit/>
           </a:bodyPr>
           <a:lstStyle/>
           <a:p>
             <a:r>
-              <a:rPr lang="en-US" b="1" dirty="0" smtClean="0"/>
-              <a:t>CONCLUSIONS</a:t>
-            </a:r>
-            <a:endParaRPr lang="en-US" b="1" dirty="0"/>
-          </a:p>
-        </p:txBody>
-      </p:sp>
-      <p:sp>
-        <p:nvSpPr>
-          <p:cNvPr id="3" name="Content Placeholder 2"/>
-          <p:cNvSpPr>
-            <a:spLocks noGrp="1"/>
-          </p:cNvSpPr>
-          <p:nvPr>
-            <p:ph idx="1"/>
-          </p:nvPr>
-        </p:nvSpPr>
-        <p:spPr>
-          <a:xfrm>
-            <a:off x="677334" y="1524000"/>
-            <a:ext cx="10862136" cy="4696496"/>
-          </a:xfrm>
-        </p:spPr>
-        <p:txBody>
-          <a:bodyPr>
-            <a:normAutofit fontScale="92500" lnSpcReduction="10000"/>
-          </a:bodyPr>
-          <a:lstStyle/>
-          <a:p>
-            <a:r>
-              <a:rPr lang="en-US" sz="2200" dirty="0"/>
-              <a:t>Both Logistic Regression and Decision Tree models demonstrated strong overall accuracy, with Decision Trees slightly outperforming Logistic Regression in accuracy. However, the performance varied across different classes:</a:t>
-            </a:r>
-          </a:p>
-          <a:p>
-            <a:r>
-              <a:rPr lang="en-US" sz="2200" dirty="0"/>
-              <a:t>Logistic Regression: This model provided a balanced performance across classes and handled the dataset’s imbalance better than the Decision Tree, making it suitable for tasks requiring straightforward decision boundaries and high interpretability.</a:t>
-            </a:r>
-          </a:p>
-          <a:p>
-            <a:r>
-              <a:rPr lang="en-US" sz="2200" dirty="0"/>
-              <a:t>Decision Tree: This model achieved higher overall accuracy but struggled with minority classes, such as "Forced Labor." This suggests that while Decision Trees are powerful for capturing complex relationships, they are sensitive to class imbalance and may require techniques like boosting or balancing to optimize their performance.</a:t>
-            </a:r>
-          </a:p>
-          <a:p>
-            <a:r>
-              <a:rPr lang="en-US" sz="2200" dirty="0"/>
-              <a:t>Both models are effective, but the choice between them should be guided by the specific requirements of the task—whether it’s interpretability and generalization (favoring Logistic Regression) or maximizing accuracy through capturing complex patterns (favoring Decision Trees or ensemble methods). Balancing the dataset and tuning </a:t>
-            </a:r>
-            <a:r>
-              <a:rPr lang="en-US" sz="2200" dirty="0" smtClean="0"/>
-              <a:t>hyperparameters </a:t>
-            </a:r>
-            <a:r>
-              <a:rPr lang="en-US" sz="2200" dirty="0"/>
-              <a:t>are essential steps to further enhance model performance.</a:t>
-            </a:r>
-          </a:p>
-          <a:p>
-            <a:endParaRPr lang="en-US" dirty="0"/>
+              <a:rPr lang="en-US" sz="2000" b="1" dirty="0"/>
+              <a:t>5.Improvement in Data Representation:</a:t>
+            </a:r>
+          </a:p>
+          <a:p>
+            <a:endParaRPr lang="en-US" dirty="0"/>
+          </a:p>
+          <a:p>
+            <a:r>
+              <a:rPr lang="en-US" sz="2000" dirty="0"/>
+              <a:t>Observation: The performance of both models highlights the importance of data representation, especially in how features like "Lack of Basic Needs" and "Criminal Justice Mechanisms" are utilized.</a:t>
+            </a:r>
+          </a:p>
+          <a:p>
+            <a:endParaRPr lang="en-US" sz="2000" dirty="0"/>
+          </a:p>
+          <a:p>
+            <a:r>
+              <a:rPr lang="en-US" sz="2000" dirty="0"/>
+              <a:t>Recommendation: Consider feature engineering to create new variables or improve existing ones. This might involve creating interaction terms, normalizing variables, or using domain-specific knowledge to refine the input data. Improved feature representation can significantly enhance model accuracy and reliability.</a:t>
+            </a:r>
           </a:p>
         </p:txBody>
       </p:sp>
     </p:spTree>
     <p:extLst>
       <p:ext uri="{BB962C8B-B14F-4D97-AF65-F5344CB8AC3E}">
-        <p14:creationId xmlns:p14="http://schemas.microsoft.com/office/powerpoint/2010/main" val="283818748"/>
+        <p14:creationId xmlns:p14="http://schemas.microsoft.com/office/powerpoint/2010/main" val="3028872603"/>
       </p:ext>
     </p:extLst>
   </p:cSld>
@@ -6811,145 +6755,78 @@
         </p:nvSpPr>
         <p:spPr>
           <a:xfrm>
-            <a:off x="1141411" y="1419227"/>
-            <a:ext cx="9906000" cy="1671704"/>
+            <a:off x="677334" y="609600"/>
+            <a:ext cx="8596668" cy="639651"/>
           </a:xfrm>
         </p:spPr>
         <p:txBody>
-          <a:bodyPr/>
+          <a:bodyPr>
+            <a:normAutofit fontScale="90000"/>
+          </a:bodyPr>
           <a:lstStyle/>
           <a:p>
             <a:r>
               <a:rPr lang="en-US" b="1" dirty="0" smtClean="0"/>
-              <a:t> </a:t>
-            </a:r>
-            <a:r>
-              <a:rPr lang="en-US" b="1" dirty="0" smtClean="0">
-                <a:solidFill>
-                  <a:schemeClr val="accent3"/>
-                </a:solidFill>
-              </a:rPr>
-              <a:t>THANK </a:t>
-            </a:r>
-            <a:r>
-              <a:rPr lang="en-US" b="1" dirty="0">
-                <a:solidFill>
-                  <a:schemeClr val="accent3"/>
-                </a:solidFill>
-              </a:rPr>
-              <a:t>YOU</a:t>
-            </a:r>
-            <a:r>
-              <a:rPr lang="en-US" b="1" dirty="0"/>
-              <a:t/>
-            </a:r>
-            <a:br>
-              <a:rPr lang="en-US" b="1" dirty="0"/>
-            </a:br>
-            <a:endParaRPr lang="en-US" dirty="0"/>
-          </a:p>
-        </p:txBody>
-      </p:sp>
-      <p:sp>
-        <p:nvSpPr>
-          <p:cNvPr id="3" name="Text Placeholder 2"/>
-          <p:cNvSpPr>
-            <a:spLocks noGrp="1"/>
-          </p:cNvSpPr>
-          <p:nvPr>
-            <p:ph type="body" idx="1"/>
+              <a:t>CONCLUSIONS</a:t>
+            </a:r>
+            <a:endParaRPr lang="en-US" b="1" dirty="0"/>
+          </a:p>
+        </p:txBody>
+      </p:sp>
+      <p:sp>
+        <p:nvSpPr>
+          <p:cNvPr id="3" name="Content Placeholder 2"/>
+          <p:cNvSpPr>
+            <a:spLocks noGrp="1"/>
+          </p:cNvSpPr>
+          <p:nvPr>
+            <p:ph idx="1"/>
           </p:nvPr>
         </p:nvSpPr>
         <p:spPr>
           <a:xfrm>
-            <a:off x="1352283" y="2614412"/>
-            <a:ext cx="9695128" cy="3184728"/>
+            <a:off x="677334" y="1524000"/>
+            <a:ext cx="10862136" cy="4696496"/>
           </a:xfrm>
         </p:spPr>
         <p:txBody>
           <a:bodyPr>
-            <a:normAutofit fontScale="92500"/>
+            <a:normAutofit fontScale="92500" lnSpcReduction="10000"/>
           </a:bodyPr>
           <a:lstStyle/>
           <a:p>
             <a:r>
               <a:rPr lang="en-US" sz="2200" dirty="0"/>
-              <a:t>Thank you for your attention. We look forward to implementing these </a:t>
+              <a:t>Both Logistic Regression and Decision Tree models demonstrated strong overall accuracy, with Decision Trees slightly outperforming Logistic Regression in accuracy. However, the performance varied across different classes:</a:t>
+            </a:r>
+          </a:p>
+          <a:p>
+            <a:r>
+              <a:rPr lang="en-US" sz="2200" dirty="0"/>
+              <a:t>Logistic Regression: This model provided a balanced performance across classes and handled the dataset’s imbalance better than the Decision Tree, making it suitable for tasks requiring straightforward decision boundaries and high interpretability.</a:t>
+            </a:r>
+          </a:p>
+          <a:p>
+            <a:r>
+              <a:rPr lang="en-US" sz="2200" dirty="0"/>
+              <a:t>Decision Tree: This model achieved higher overall accuracy but struggled with minority classes, such as "Forced Labor." This suggests that while Decision Trees are powerful for capturing complex relationships, they are sensitive to class imbalance and may require techniques like boosting or balancing to optimize their performance.</a:t>
+            </a:r>
+          </a:p>
+          <a:p>
+            <a:r>
+              <a:rPr lang="en-US" sz="2200" dirty="0"/>
+              <a:t>Both models are effective, but the choice between them should be guided by the specific requirements of the task—whether it’s interpretability and generalization (favoring Logistic Regression) or maximizing accuracy through capturing complex patterns (favoring Decision Trees or ensemble methods). Balancing the dataset and tuning </a:t>
             </a:r>
             <a:r>
               <a:rPr lang="en-US" sz="2200" dirty="0" smtClean="0"/>
-              <a:t>findings that </a:t>
+              <a:t>hyperparameters </a:t>
             </a:r>
             <a:r>
               <a:rPr lang="en-US" sz="2200" dirty="0"/>
-              <a:t>will help </a:t>
-            </a:r>
-            <a:r>
-              <a:rPr lang="en-US" sz="2200" dirty="0" smtClean="0"/>
-              <a:t>stakeholders </a:t>
-            </a:r>
-            <a:r>
-              <a:rPr lang="en-US" sz="2200" dirty="0"/>
-              <a:t>to develop more efficient and focused approaches to addressing modern slavery across different contexts and regions.</a:t>
-            </a:r>
-          </a:p>
-          <a:p>
-            <a:r>
-              <a:rPr lang="en-US" dirty="0" smtClean="0"/>
-              <a:t>.</a:t>
-            </a:r>
-            <a:endParaRPr lang="en-US" dirty="0"/>
-          </a:p>
-          <a:p>
-            <a:endParaRPr lang="en-US" dirty="0" smtClean="0"/>
-          </a:p>
-          <a:p>
-            <a:r>
-              <a:rPr lang="en-US" dirty="0" smtClean="0"/>
-              <a:t>This project is available on </a:t>
-            </a:r>
-            <a:r>
-              <a:rPr lang="en-US" dirty="0"/>
-              <a:t>my </a:t>
-            </a:r>
-            <a:r>
-              <a:rPr lang="en-US" dirty="0" err="1" smtClean="0"/>
-              <a:t>github</a:t>
-            </a:r>
-            <a:r>
-              <a:rPr lang="en-US" dirty="0" smtClean="0"/>
-              <a:t> </a:t>
-            </a:r>
-            <a:r>
-              <a:rPr lang="en-US" dirty="0"/>
-              <a:t>(</a:t>
-            </a:r>
-            <a:r>
-              <a:rPr lang="en-US" dirty="0">
-                <a:hlinkClick r:id="rId2"/>
-              </a:rPr>
-              <a:t>https://</a:t>
-            </a:r>
-            <a:r>
-              <a:rPr lang="en-US" dirty="0" smtClean="0">
-                <a:hlinkClick r:id="rId2"/>
-              </a:rPr>
-              <a:t>github.com/Namnyak/P3-PROJECT</a:t>
-            </a:r>
-            <a:r>
-              <a:rPr lang="en-US" dirty="0" smtClean="0"/>
-              <a:t>)     </a:t>
-            </a:r>
-          </a:p>
-          <a:p>
-            <a:r>
-              <a:rPr lang="en-US" dirty="0" smtClean="0"/>
-              <a:t>My </a:t>
-            </a:r>
-            <a:r>
-              <a:rPr lang="en-US" dirty="0" smtClean="0"/>
-              <a:t>contact info: kinyeinamnyak@gmail.com</a:t>
-            </a:r>
+              <a:t>are essential steps to further enhance model performance.</a:t>
+            </a:r>
+          </a:p>
+          <a:p>
             <a:endParaRPr lang="en-US" dirty="0"/>
           </a:p>
         </p:txBody>
@@ -6957,7 +6834,7 @@
     </p:spTree>
     <p:extLst>
       <p:ext uri="{BB962C8B-B14F-4D97-AF65-F5344CB8AC3E}">
-        <p14:creationId xmlns:p14="http://schemas.microsoft.com/office/powerpoint/2010/main" val="3466734512"/>
+        <p14:creationId xmlns:p14="http://schemas.microsoft.com/office/powerpoint/2010/main" val="283818748"/>
       </p:ext>
     </p:extLst>
   </p:cSld>
@@ -7040,6 +6917,187 @@
     <p:extLst>
       <p:ext uri="{BB962C8B-B14F-4D97-AF65-F5344CB8AC3E}">
         <p14:creationId xmlns:p14="http://schemas.microsoft.com/office/powerpoint/2010/main" val="1934738289"/>
+      </p:ext>
+    </p:extLst>
+  </p:cSld>
+  <p:clrMapOvr>
+    <a:masterClrMapping/>
+  </p:clrMapOvr>
+</p:sld>
+</file>
+
+<file path=ppt/slides/slide20.xml><?xml version="1.0" encoding="utf-8"?>
+<p:sld xmlns:a="http://schemas.openxmlformats.org/drawingml/2006/main" xmlns:r="http://schemas.openxmlformats.org/officeDocument/2006/relationships" xmlns:p="http://schemas.openxmlformats.org/presentationml/2006/main">
+  <p:cSld>
+    <p:spTree>
+      <p:nvGrpSpPr>
+        <p:cNvPr id="1" name=""/>
+        <p:cNvGrpSpPr/>
+        <p:nvPr/>
+      </p:nvGrpSpPr>
+      <p:grpSpPr>
+        <a:xfrm>
+          <a:off x="0" y="0"/>
+          <a:ext cx="0" cy="0"/>
+          <a:chOff x="0" y="0"/>
+          <a:chExt cx="0" cy="0"/>
+        </a:xfrm>
+      </p:grpSpPr>
+      <p:sp>
+        <p:nvSpPr>
+          <p:cNvPr id="2" name="Title 1"/>
+          <p:cNvSpPr>
+            <a:spLocks noGrp="1"/>
+          </p:cNvSpPr>
+          <p:nvPr>
+            <p:ph type="title"/>
+          </p:nvPr>
+        </p:nvSpPr>
+        <p:spPr>
+          <a:xfrm>
+            <a:off x="1141411" y="1419227"/>
+            <a:ext cx="9906000" cy="1671704"/>
+          </a:xfrm>
+        </p:spPr>
+        <p:txBody>
+          <a:bodyPr/>
+          <a:lstStyle/>
+          <a:p>
+            <a:r>
+              <a:rPr lang="en-US" b="1" dirty="0" smtClean="0"/>
+              <a:t> </a:t>
+            </a:r>
+            <a:r>
+              <a:rPr lang="en-US" b="1" dirty="0" smtClean="0">
+                <a:solidFill>
+                  <a:schemeClr val="accent3"/>
+                </a:solidFill>
+              </a:rPr>
+              <a:t>THANK </a:t>
+            </a:r>
+            <a:r>
+              <a:rPr lang="en-US" b="1" dirty="0">
+                <a:solidFill>
+                  <a:schemeClr val="accent3"/>
+                </a:solidFill>
+              </a:rPr>
+              <a:t>YOU</a:t>
+            </a:r>
+            <a:r>
+              <a:rPr lang="en-US" b="1" dirty="0"/>
+              <a:t/>
+            </a:r>
+            <a:br>
+              <a:rPr lang="en-US" b="1" dirty="0"/>
+            </a:br>
+            <a:endParaRPr lang="en-US" dirty="0"/>
+          </a:p>
+        </p:txBody>
+      </p:sp>
+      <p:sp>
+        <p:nvSpPr>
+          <p:cNvPr id="3" name="Text Placeholder 2"/>
+          <p:cNvSpPr>
+            <a:spLocks noGrp="1"/>
+          </p:cNvSpPr>
+          <p:nvPr>
+            <p:ph type="body" idx="1"/>
+          </p:nvPr>
+        </p:nvSpPr>
+        <p:spPr>
+          <a:xfrm>
+            <a:off x="1352283" y="2614412"/>
+            <a:ext cx="9695128" cy="3184728"/>
+          </a:xfrm>
+        </p:spPr>
+        <p:txBody>
+          <a:bodyPr>
+            <a:normAutofit fontScale="92500"/>
+          </a:bodyPr>
+          <a:lstStyle/>
+          <a:p>
+            <a:r>
+              <a:rPr lang="en-US" sz="2200" dirty="0"/>
+              <a:t>Thank you for your attention. We look forward to implementing these </a:t>
+            </a:r>
+            <a:r>
+              <a:rPr lang="en-US" sz="2200" dirty="0" smtClean="0"/>
+              <a:t>findings that </a:t>
+            </a:r>
+            <a:r>
+              <a:rPr lang="en-US" sz="2200" dirty="0"/>
+              <a:t>will help </a:t>
+            </a:r>
+            <a:r>
+              <a:rPr lang="en-US" sz="2200" dirty="0" smtClean="0"/>
+              <a:t>stakeholders </a:t>
+            </a:r>
+            <a:r>
+              <a:rPr lang="en-US" sz="2200" dirty="0"/>
+              <a:t>to develop more efficient and focused approaches to addressing modern slavery across different contexts and regions.</a:t>
+            </a:r>
+          </a:p>
+          <a:p>
+            <a:r>
+              <a:rPr lang="en-US" dirty="0" smtClean="0"/>
+              <a:t>.</a:t>
+            </a:r>
+            <a:endParaRPr lang="en-US" dirty="0"/>
+          </a:p>
+          <a:p>
+            <a:endParaRPr lang="en-US" dirty="0" smtClean="0"/>
+          </a:p>
+          <a:p>
+            <a:r>
+              <a:rPr lang="en-US" dirty="0" smtClean="0"/>
+              <a:t>This project is available on </a:t>
+            </a:r>
+            <a:r>
+              <a:rPr lang="en-US" dirty="0"/>
+              <a:t>my </a:t>
+            </a:r>
+            <a:r>
+              <a:rPr lang="en-US" dirty="0" err="1" smtClean="0"/>
+              <a:t>github</a:t>
+            </a:r>
+            <a:r>
+              <a:rPr lang="en-US" dirty="0" smtClean="0"/>
+              <a:t> </a:t>
+            </a:r>
+            <a:r>
+              <a:rPr lang="en-US" dirty="0"/>
+              <a:t>(</a:t>
+            </a:r>
+            <a:r>
+              <a:rPr lang="en-US" dirty="0">
+                <a:hlinkClick r:id="rId2"/>
+              </a:rPr>
+              <a:t>https://</a:t>
+            </a:r>
+            <a:r>
+              <a:rPr lang="en-US" dirty="0" smtClean="0">
+                <a:hlinkClick r:id="rId2"/>
+              </a:rPr>
+              <a:t>github.com/Namnyak/P3-PROJECT</a:t>
+            </a:r>
+            <a:r>
+              <a:rPr lang="en-US" dirty="0" smtClean="0"/>
+              <a:t>)     </a:t>
+            </a:r>
+          </a:p>
+          <a:p>
+            <a:r>
+              <a:rPr lang="en-US" dirty="0" smtClean="0"/>
+              <a:t>My contact info: kinyeinamnyak@gmail.com</a:t>
+            </a:r>
+            <a:endParaRPr lang="en-US" dirty="0"/>
+          </a:p>
+        </p:txBody>
+      </p:sp>
+    </p:spTree>
+    <p:extLst>
+      <p:ext uri="{BB962C8B-B14F-4D97-AF65-F5344CB8AC3E}">
+        <p14:creationId xmlns:p14="http://schemas.microsoft.com/office/powerpoint/2010/main" val="3466734512"/>
       </p:ext>
     </p:extLst>
   </p:cSld>

--- a/Project presentation slides.p3project.pptx
+++ b/Project presentation slides.p3project.pptx
@@ -6044,7 +6044,7 @@
       </p:grpSpPr>
       <p:pic>
         <p:nvPicPr>
-          <p:cNvPr id="2" name="Picture 1"/>
+          <p:cNvPr id="3" name="Picture 2"/>
           <p:cNvPicPr>
             <a:picLocks noChangeAspect="1"/>
           </p:cNvPicPr>
@@ -6064,8 +6064,8 @@
         </p:blipFill>
         <p:spPr>
           <a:xfrm>
-            <a:off x="1223493" y="669702"/>
-            <a:ext cx="9234152" cy="5718953"/>
+            <a:off x="695460" y="631065"/>
+            <a:ext cx="9955368" cy="5653825"/>
           </a:xfrm>
           <a:prstGeom prst="rect">
             <a:avLst/>
@@ -6104,7 +6104,7 @@
       </p:grpSpPr>
       <p:pic>
         <p:nvPicPr>
-          <p:cNvPr id="2" name="Picture 1"/>
+          <p:cNvPr id="3" name="Picture 2"/>
           <p:cNvPicPr>
             <a:picLocks noChangeAspect="1"/>
           </p:cNvPicPr>
@@ -6124,8 +6124,8 @@
         </p:blipFill>
         <p:spPr>
           <a:xfrm>
-            <a:off x="1390919" y="605307"/>
-            <a:ext cx="7624292" cy="5653826"/>
+            <a:off x="1700011" y="605307"/>
+            <a:ext cx="7315200" cy="5653826"/>
           </a:xfrm>
           <a:prstGeom prst="rect">
             <a:avLst/>
@@ -6224,7 +6224,7 @@
       </p:grpSpPr>
       <p:pic>
         <p:nvPicPr>
-          <p:cNvPr id="2" name="Picture 1"/>
+          <p:cNvPr id="4" name="Picture 3"/>
           <p:cNvPicPr>
             <a:picLocks noChangeAspect="1"/>
           </p:cNvPicPr>
@@ -6244,8 +6244,8 @@
         </p:blipFill>
         <p:spPr>
           <a:xfrm>
-            <a:off x="2060620" y="592428"/>
-            <a:ext cx="7199290" cy="5653826"/>
+            <a:off x="2434107" y="708338"/>
+            <a:ext cx="6697014" cy="5180403"/>
           </a:xfrm>
           <a:prstGeom prst="rect">
             <a:avLst/>
@@ -6284,7 +6284,7 @@
       </p:grpSpPr>
       <p:pic>
         <p:nvPicPr>
-          <p:cNvPr id="2" name="Picture 1"/>
+          <p:cNvPr id="3" name="Picture 2"/>
           <p:cNvPicPr>
             <a:picLocks noChangeAspect="1"/>
           </p:cNvPicPr>
@@ -6304,8 +6304,8 @@
         </p:blipFill>
         <p:spPr>
           <a:xfrm>
-            <a:off x="-618187" y="1"/>
-            <a:ext cx="13166838" cy="6858000"/>
+            <a:off x="-437882" y="1"/>
+            <a:ext cx="12629882" cy="6574070"/>
           </a:xfrm>
           <a:prstGeom prst="rect">
             <a:avLst/>
